--- a/Intro_to_ML_3.pptx
+++ b/Intro_to_ML_3.pptx
@@ -227,7 +227,7 @@
           <a:p>
             <a:fld id="{87CA78F2-8BDA-6744-A7B1-117F95CFA804}" type="datetimeFigureOut">
               <a:rPr lang="en-US" smtClean="0"/>
-              <a:t>11/11/20</a:t>
+              <a:t>2/3/21</a:t>
             </a:fld>
             <a:endParaRPr lang="en-US"/>
           </a:p>
@@ -739,7 +739,7 @@
           <a:p>
             <a:fld id="{6BFFF8FD-4C82-CE4B-A328-95E0C09266C3}" type="datetimeFigureOut">
               <a:rPr lang="en-US" smtClean="0"/>
-              <a:t>11/11/20</a:t>
+              <a:t>2/3/21</a:t>
             </a:fld>
             <a:endParaRPr lang="en-US"/>
           </a:p>
@@ -939,7 +939,7 @@
           <a:p>
             <a:fld id="{6BFFF8FD-4C82-CE4B-A328-95E0C09266C3}" type="datetimeFigureOut">
               <a:rPr lang="en-US" smtClean="0"/>
-              <a:t>11/11/20</a:t>
+              <a:t>2/3/21</a:t>
             </a:fld>
             <a:endParaRPr lang="en-US"/>
           </a:p>
@@ -1149,7 +1149,7 @@
           <a:p>
             <a:fld id="{6BFFF8FD-4C82-CE4B-A328-95E0C09266C3}" type="datetimeFigureOut">
               <a:rPr lang="en-US" smtClean="0"/>
-              <a:t>11/11/20</a:t>
+              <a:t>2/3/21</a:t>
             </a:fld>
             <a:endParaRPr lang="en-US"/>
           </a:p>
@@ -1575,7 +1575,7 @@
           <a:p>
             <a:fld id="{6BFFF8FD-4C82-CE4B-A328-95E0C09266C3}" type="datetimeFigureOut">
               <a:rPr lang="en-US" smtClean="0"/>
-              <a:t>11/11/20</a:t>
+              <a:t>2/3/21</a:t>
             </a:fld>
             <a:endParaRPr lang="en-US"/>
           </a:p>
@@ -1851,7 +1851,7 @@
           <a:p>
             <a:fld id="{6BFFF8FD-4C82-CE4B-A328-95E0C09266C3}" type="datetimeFigureOut">
               <a:rPr lang="en-US" smtClean="0"/>
-              <a:t>11/11/20</a:t>
+              <a:t>2/3/21</a:t>
             </a:fld>
             <a:endParaRPr lang="en-US"/>
           </a:p>
@@ -2119,7 +2119,7 @@
           <a:p>
             <a:fld id="{6BFFF8FD-4C82-CE4B-A328-95E0C09266C3}" type="datetimeFigureOut">
               <a:rPr lang="en-US" smtClean="0"/>
-              <a:t>11/11/20</a:t>
+              <a:t>2/3/21</a:t>
             </a:fld>
             <a:endParaRPr lang="en-US"/>
           </a:p>
@@ -2534,7 +2534,7 @@
           <a:p>
             <a:fld id="{6BFFF8FD-4C82-CE4B-A328-95E0C09266C3}" type="datetimeFigureOut">
               <a:rPr lang="en-US" smtClean="0"/>
-              <a:t>11/11/20</a:t>
+              <a:t>2/3/21</a:t>
             </a:fld>
             <a:endParaRPr lang="en-US"/>
           </a:p>
@@ -2676,7 +2676,7 @@
           <a:p>
             <a:fld id="{6BFFF8FD-4C82-CE4B-A328-95E0C09266C3}" type="datetimeFigureOut">
               <a:rPr lang="en-US" smtClean="0"/>
-              <a:t>11/11/20</a:t>
+              <a:t>2/3/21</a:t>
             </a:fld>
             <a:endParaRPr lang="en-US"/>
           </a:p>
@@ -2789,7 +2789,7 @@
           <a:p>
             <a:fld id="{6BFFF8FD-4C82-CE4B-A328-95E0C09266C3}" type="datetimeFigureOut">
               <a:rPr lang="en-US" smtClean="0"/>
-              <a:t>11/11/20</a:t>
+              <a:t>2/3/21</a:t>
             </a:fld>
             <a:endParaRPr lang="en-US"/>
           </a:p>
@@ -3102,7 +3102,7 @@
           <a:p>
             <a:fld id="{6BFFF8FD-4C82-CE4B-A328-95E0C09266C3}" type="datetimeFigureOut">
               <a:rPr lang="en-US" smtClean="0"/>
-              <a:t>11/11/20</a:t>
+              <a:t>2/3/21</a:t>
             </a:fld>
             <a:endParaRPr lang="en-US"/>
           </a:p>
@@ -3391,7 +3391,7 @@
           <a:p>
             <a:fld id="{6BFFF8FD-4C82-CE4B-A328-95E0C09266C3}" type="datetimeFigureOut">
               <a:rPr lang="en-US" smtClean="0"/>
-              <a:t>11/11/20</a:t>
+              <a:t>2/3/21</a:t>
             </a:fld>
             <a:endParaRPr lang="en-US"/>
           </a:p>
@@ -3640,7 +3640,7 @@
           <a:p>
             <a:fld id="{6BFFF8FD-4C82-CE4B-A328-95E0C09266C3}" type="datetimeFigureOut">
               <a:rPr lang="en-US" smtClean="0"/>
-              <a:t>11/11/20</a:t>
+              <a:t>2/3/21</a:t>
             </a:fld>
             <a:endParaRPr lang="en-US"/>
           </a:p>
@@ -10334,7 +10334,7 @@
         </p:spPr>
         <p:txBody>
           <a:bodyPr vert="horz" lIns="91440" tIns="45720" rIns="91440" bIns="45720" rtlCol="0">
-            <a:normAutofit fontScale="92500" lnSpcReduction="10000"/>
+            <a:normAutofit fontScale="77500" lnSpcReduction="20000"/>
           </a:bodyPr>
           <a:lstStyle>
             <a:lvl1pPr marL="342900" indent="-342900" algn="l" defTabSz="457200" rtl="0" eaLnBrk="1" latinLnBrk="0" hangingPunct="1">
@@ -10511,13 +10511,12 @@
             </a:pPr>
             <a:r>
               <a:rPr lang="en-US" sz="2800" dirty="0"/>
-              <a:t>Nielsen M, </a:t>
-            </a:r>
-            <a:r>
-              <a:rPr lang="en-US" sz="2800" i="1" dirty="0"/>
-              <a:t>Neural Networks and Deep Learning</a:t>
-            </a:r>
-            <a:endParaRPr lang="en-US" sz="2800" dirty="0"/>
+              <a:t>Burger SV, </a:t>
+            </a:r>
+            <a:r>
+              <a:rPr lang="en-GB" sz="2800" i="1" dirty="0"/>
+              <a:t>Introduction to Machine Learning With R</a:t>
+            </a:r>
           </a:p>
           <a:p>
             <a:pPr marL="0" indent="0">
@@ -10527,7 +10526,19 @@
               <a:rPr lang="en-US" sz="2800" dirty="0">
                 <a:hlinkClick r:id="rId3"/>
               </a:rPr>
-              <a:t>http://neuralnetworksanddeeplearning.com/index.html</a:t>
+              <a:t>https://</a:t>
+            </a:r>
+            <a:r>
+              <a:rPr lang="en-US" sz="2800" dirty="0" err="1">
+                <a:hlinkClick r:id="rId3"/>
+              </a:rPr>
+              <a:t>www.oreilly.com</a:t>
+            </a:r>
+            <a:r>
+              <a:rPr lang="en-US" sz="2800" dirty="0">
+                <a:hlinkClick r:id="rId3"/>
+              </a:rPr>
+              <a:t>/library/view/introduction-to-machine/9781491976432/</a:t>
             </a:r>
             <a:endParaRPr lang="en-US" sz="2800" dirty="0"/>
           </a:p>
@@ -10543,8 +10554,13 @@
             </a:pPr>
             <a:r>
               <a:rPr lang="en-US" sz="2800" dirty="0"/>
-              <a:t>Tutorials and examples at</a:t>
-            </a:r>
+              <a:t>Nielsen M, </a:t>
+            </a:r>
+            <a:r>
+              <a:rPr lang="en-US" sz="2800" i="1" dirty="0"/>
+              <a:t>Neural Networks and Deep Learning</a:t>
+            </a:r>
+            <a:endParaRPr lang="en-US" sz="2800" dirty="0"/>
           </a:p>
           <a:p>
             <a:pPr marL="0" indent="0">
@@ -10554,9 +10570,24 @@
               <a:rPr lang="en-US" sz="2800" dirty="0">
                 <a:hlinkClick r:id="rId4"/>
               </a:rPr>
-              <a:t>https://scikit-learn.org/</a:t>
+              <a:t>http://neuralnetworksanddeeplearning.com/index.html</a:t>
             </a:r>
             <a:endParaRPr lang="en-US" sz="2800" dirty="0"/>
+          </a:p>
+          <a:p>
+            <a:pPr marL="0" indent="0">
+              <a:buNone/>
+            </a:pPr>
+            <a:endParaRPr lang="en-US" sz="2800" dirty="0"/>
+          </a:p>
+          <a:p>
+            <a:pPr marL="0" indent="0">
+              <a:buNone/>
+            </a:pPr>
+            <a:r>
+              <a:rPr lang="en-US" sz="2800" dirty="0"/>
+              <a:t>Tutorials and examples at</a:t>
+            </a:r>
           </a:p>
           <a:p>
             <a:pPr marL="0" indent="0">
@@ -10565,6 +10596,18 @@
             <a:r>
               <a:rPr lang="en-US" sz="2800" dirty="0">
                 <a:hlinkClick r:id="rId5"/>
+              </a:rPr>
+              <a:t>https://scikit-learn.org/</a:t>
+            </a:r>
+            <a:endParaRPr lang="en-US" sz="2800" dirty="0"/>
+          </a:p>
+          <a:p>
+            <a:pPr marL="0" indent="0">
+              <a:buNone/>
+            </a:pPr>
+            <a:r>
+              <a:rPr lang="en-US" sz="2800" dirty="0">
+                <a:hlinkClick r:id="rId6"/>
               </a:rPr>
               <a:t>https://www.kaggle.com</a:t>
             </a:r>

--- a/Intro_to_ML_3.pptx
+++ b/Intro_to_ML_3.pptx
@@ -227,7 +227,7 @@
           <a:p>
             <a:fld id="{87CA78F2-8BDA-6744-A7B1-117F95CFA804}" type="datetimeFigureOut">
               <a:rPr lang="en-US" smtClean="0"/>
-              <a:t>2/3/21</a:t>
+              <a:t>6/19/23</a:t>
             </a:fld>
             <a:endParaRPr lang="en-US"/>
           </a:p>
@@ -739,7 +739,7 @@
           <a:p>
             <a:fld id="{6BFFF8FD-4C82-CE4B-A328-95E0C09266C3}" type="datetimeFigureOut">
               <a:rPr lang="en-US" smtClean="0"/>
-              <a:t>2/3/21</a:t>
+              <a:t>6/19/23</a:t>
             </a:fld>
             <a:endParaRPr lang="en-US"/>
           </a:p>
@@ -939,7 +939,7 @@
           <a:p>
             <a:fld id="{6BFFF8FD-4C82-CE4B-A328-95E0C09266C3}" type="datetimeFigureOut">
               <a:rPr lang="en-US" smtClean="0"/>
-              <a:t>2/3/21</a:t>
+              <a:t>6/19/23</a:t>
             </a:fld>
             <a:endParaRPr lang="en-US"/>
           </a:p>
@@ -1149,7 +1149,7 @@
           <a:p>
             <a:fld id="{6BFFF8FD-4C82-CE4B-A328-95E0C09266C3}" type="datetimeFigureOut">
               <a:rPr lang="en-US" smtClean="0"/>
-              <a:t>2/3/21</a:t>
+              <a:t>6/19/23</a:t>
             </a:fld>
             <a:endParaRPr lang="en-US"/>
           </a:p>
@@ -1575,7 +1575,7 @@
           <a:p>
             <a:fld id="{6BFFF8FD-4C82-CE4B-A328-95E0C09266C3}" type="datetimeFigureOut">
               <a:rPr lang="en-US" smtClean="0"/>
-              <a:t>2/3/21</a:t>
+              <a:t>6/19/23</a:t>
             </a:fld>
             <a:endParaRPr lang="en-US"/>
           </a:p>
@@ -1851,7 +1851,7 @@
           <a:p>
             <a:fld id="{6BFFF8FD-4C82-CE4B-A328-95E0C09266C3}" type="datetimeFigureOut">
               <a:rPr lang="en-US" smtClean="0"/>
-              <a:t>2/3/21</a:t>
+              <a:t>6/19/23</a:t>
             </a:fld>
             <a:endParaRPr lang="en-US"/>
           </a:p>
@@ -2119,7 +2119,7 @@
           <a:p>
             <a:fld id="{6BFFF8FD-4C82-CE4B-A328-95E0C09266C3}" type="datetimeFigureOut">
               <a:rPr lang="en-US" smtClean="0"/>
-              <a:t>2/3/21</a:t>
+              <a:t>6/19/23</a:t>
             </a:fld>
             <a:endParaRPr lang="en-US"/>
           </a:p>
@@ -2534,7 +2534,7 @@
           <a:p>
             <a:fld id="{6BFFF8FD-4C82-CE4B-A328-95E0C09266C3}" type="datetimeFigureOut">
               <a:rPr lang="en-US" smtClean="0"/>
-              <a:t>2/3/21</a:t>
+              <a:t>6/19/23</a:t>
             </a:fld>
             <a:endParaRPr lang="en-US"/>
           </a:p>
@@ -2676,7 +2676,7 @@
           <a:p>
             <a:fld id="{6BFFF8FD-4C82-CE4B-A328-95E0C09266C3}" type="datetimeFigureOut">
               <a:rPr lang="en-US" smtClean="0"/>
-              <a:t>2/3/21</a:t>
+              <a:t>6/19/23</a:t>
             </a:fld>
             <a:endParaRPr lang="en-US"/>
           </a:p>
@@ -2789,7 +2789,7 @@
           <a:p>
             <a:fld id="{6BFFF8FD-4C82-CE4B-A328-95E0C09266C3}" type="datetimeFigureOut">
               <a:rPr lang="en-US" smtClean="0"/>
-              <a:t>2/3/21</a:t>
+              <a:t>6/19/23</a:t>
             </a:fld>
             <a:endParaRPr lang="en-US"/>
           </a:p>
@@ -3102,7 +3102,7 @@
           <a:p>
             <a:fld id="{6BFFF8FD-4C82-CE4B-A328-95E0C09266C3}" type="datetimeFigureOut">
               <a:rPr lang="en-US" smtClean="0"/>
-              <a:t>2/3/21</a:t>
+              <a:t>6/19/23</a:t>
             </a:fld>
             <a:endParaRPr lang="en-US"/>
           </a:p>
@@ -3391,7 +3391,7 @@
           <a:p>
             <a:fld id="{6BFFF8FD-4C82-CE4B-A328-95E0C09266C3}" type="datetimeFigureOut">
               <a:rPr lang="en-US" smtClean="0"/>
-              <a:t>2/3/21</a:t>
+              <a:t>6/19/23</a:t>
             </a:fld>
             <a:endParaRPr lang="en-US"/>
           </a:p>
@@ -3640,7 +3640,7 @@
           <a:p>
             <a:fld id="{6BFFF8FD-4C82-CE4B-A328-95E0C09266C3}" type="datetimeFigureOut">
               <a:rPr lang="en-US" smtClean="0"/>
-              <a:t>2/3/21</a:t>
+              <a:t>6/19/23</a:t>
             </a:fld>
             <a:endParaRPr lang="en-US"/>
           </a:p>

--- a/Intro_to_ML_3.pptx
+++ b/Intro_to_ML_3.pptx
@@ -227,7 +227,7 @@
           <a:p>
             <a:fld id="{87CA78F2-8BDA-6744-A7B1-117F95CFA804}" type="datetimeFigureOut">
               <a:rPr lang="en-US" smtClean="0"/>
-              <a:t>6/19/23</a:t>
+              <a:t>6/20/23</a:t>
             </a:fld>
             <a:endParaRPr lang="en-US"/>
           </a:p>
@@ -739,7 +739,7 @@
           <a:p>
             <a:fld id="{6BFFF8FD-4C82-CE4B-A328-95E0C09266C3}" type="datetimeFigureOut">
               <a:rPr lang="en-US" smtClean="0"/>
-              <a:t>6/19/23</a:t>
+              <a:t>6/20/23</a:t>
             </a:fld>
             <a:endParaRPr lang="en-US"/>
           </a:p>
@@ -939,7 +939,7 @@
           <a:p>
             <a:fld id="{6BFFF8FD-4C82-CE4B-A328-95E0C09266C3}" type="datetimeFigureOut">
               <a:rPr lang="en-US" smtClean="0"/>
-              <a:t>6/19/23</a:t>
+              <a:t>6/20/23</a:t>
             </a:fld>
             <a:endParaRPr lang="en-US"/>
           </a:p>
@@ -1149,7 +1149,7 @@
           <a:p>
             <a:fld id="{6BFFF8FD-4C82-CE4B-A328-95E0C09266C3}" type="datetimeFigureOut">
               <a:rPr lang="en-US" smtClean="0"/>
-              <a:t>6/19/23</a:t>
+              <a:t>6/20/23</a:t>
             </a:fld>
             <a:endParaRPr lang="en-US"/>
           </a:p>
@@ -1575,7 +1575,7 @@
           <a:p>
             <a:fld id="{6BFFF8FD-4C82-CE4B-A328-95E0C09266C3}" type="datetimeFigureOut">
               <a:rPr lang="en-US" smtClean="0"/>
-              <a:t>6/19/23</a:t>
+              <a:t>6/20/23</a:t>
             </a:fld>
             <a:endParaRPr lang="en-US"/>
           </a:p>
@@ -1851,7 +1851,7 @@
           <a:p>
             <a:fld id="{6BFFF8FD-4C82-CE4B-A328-95E0C09266C3}" type="datetimeFigureOut">
               <a:rPr lang="en-US" smtClean="0"/>
-              <a:t>6/19/23</a:t>
+              <a:t>6/20/23</a:t>
             </a:fld>
             <a:endParaRPr lang="en-US"/>
           </a:p>
@@ -2119,7 +2119,7 @@
           <a:p>
             <a:fld id="{6BFFF8FD-4C82-CE4B-A328-95E0C09266C3}" type="datetimeFigureOut">
               <a:rPr lang="en-US" smtClean="0"/>
-              <a:t>6/19/23</a:t>
+              <a:t>6/20/23</a:t>
             </a:fld>
             <a:endParaRPr lang="en-US"/>
           </a:p>
@@ -2534,7 +2534,7 @@
           <a:p>
             <a:fld id="{6BFFF8FD-4C82-CE4B-A328-95E0C09266C3}" type="datetimeFigureOut">
               <a:rPr lang="en-US" smtClean="0"/>
-              <a:t>6/19/23</a:t>
+              <a:t>6/20/23</a:t>
             </a:fld>
             <a:endParaRPr lang="en-US"/>
           </a:p>
@@ -2676,7 +2676,7 @@
           <a:p>
             <a:fld id="{6BFFF8FD-4C82-CE4B-A328-95E0C09266C3}" type="datetimeFigureOut">
               <a:rPr lang="en-US" smtClean="0"/>
-              <a:t>6/19/23</a:t>
+              <a:t>6/20/23</a:t>
             </a:fld>
             <a:endParaRPr lang="en-US"/>
           </a:p>
@@ -2789,7 +2789,7 @@
           <a:p>
             <a:fld id="{6BFFF8FD-4C82-CE4B-A328-95E0C09266C3}" type="datetimeFigureOut">
               <a:rPr lang="en-US" smtClean="0"/>
-              <a:t>6/19/23</a:t>
+              <a:t>6/20/23</a:t>
             </a:fld>
             <a:endParaRPr lang="en-US"/>
           </a:p>
@@ -3102,7 +3102,7 @@
           <a:p>
             <a:fld id="{6BFFF8FD-4C82-CE4B-A328-95E0C09266C3}" type="datetimeFigureOut">
               <a:rPr lang="en-US" smtClean="0"/>
-              <a:t>6/19/23</a:t>
+              <a:t>6/20/23</a:t>
             </a:fld>
             <a:endParaRPr lang="en-US"/>
           </a:p>
@@ -3391,7 +3391,7 @@
           <a:p>
             <a:fld id="{6BFFF8FD-4C82-CE4B-A328-95E0C09266C3}" type="datetimeFigureOut">
               <a:rPr lang="en-US" smtClean="0"/>
-              <a:t>6/19/23</a:t>
+              <a:t>6/20/23</a:t>
             </a:fld>
             <a:endParaRPr lang="en-US"/>
           </a:p>
@@ -3640,7 +3640,7 @@
           <a:p>
             <a:fld id="{6BFFF8FD-4C82-CE4B-A328-95E0C09266C3}" type="datetimeFigureOut">
               <a:rPr lang="en-US" smtClean="0"/>
-              <a:t>6/19/23</a:t>
+              <a:t>6/20/23</a:t>
             </a:fld>
             <a:endParaRPr lang="en-US"/>
           </a:p>
@@ -9025,7 +9025,7 @@
             </a:r>
             <a:r>
               <a:rPr lang="en-US" sz="2800" dirty="0"/>
-              <a:t>embedding, can we train a neural network to distinguish cats from dogs?</a:t>
+              <a:t>embedding, can we train a random forest to distinguish cats from dogs?</a:t>
             </a:r>
             <a:endParaRPr lang="en-US" sz="2800" i="1" dirty="0"/>
           </a:p>
